--- a/workReport/form.pptx
+++ b/workReport/form.pptx
@@ -230,7 +230,7 @@
           <a:p>
             <a:fld id="{3DB4887E-69EB-41FD-864B-3279EA4EF3B9}" type="datetimeFigureOut">
               <a:rPr lang="ko-KR" altLang="en-US" smtClean="0"/>
-              <a:t>2023. 2. 22.</a:t>
+              <a:t>2023. 2. 24.</a:t>
             </a:fld>
             <a:endParaRPr lang="ko-KR" altLang="en-US"/>
           </a:p>
@@ -395,7 +395,7 @@
           <a:p>
             <a:fld id="{5B92B77F-CF3E-411A-8B4F-31EEBDF70B4C}" type="datetimeFigureOut">
               <a:rPr lang="ko-KR" altLang="en-US" smtClean="0"/>
-              <a:t>2023. 2. 22.</a:t>
+              <a:t>2023. 2. 24.</a:t>
             </a:fld>
             <a:endParaRPr lang="ko-KR" altLang="en-US"/>
           </a:p>
@@ -1357,7 +1357,7 @@
           <a:p>
             <a:fld id="{C6630917-74D3-4214-ABB5-5D4552964AA4}" type="datetimeFigureOut">
               <a:rPr lang="ko-KR" altLang="en-US" smtClean="0"/>
-              <a:t>2023. 2. 22.</a:t>
+              <a:t>2023. 2. 24.</a:t>
             </a:fld>
             <a:endParaRPr lang="ko-KR" altLang="en-US"/>
           </a:p>
@@ -1525,7 +1525,7 @@
           <a:p>
             <a:fld id="{C6630917-74D3-4214-ABB5-5D4552964AA4}" type="datetimeFigureOut">
               <a:rPr lang="ko-KR" altLang="en-US" smtClean="0"/>
-              <a:t>2023. 2. 22.</a:t>
+              <a:t>2023. 2. 24.</a:t>
             </a:fld>
             <a:endParaRPr lang="ko-KR" altLang="en-US"/>
           </a:p>
@@ -1703,7 +1703,7 @@
           <a:p>
             <a:fld id="{C6630917-74D3-4214-ABB5-5D4552964AA4}" type="datetimeFigureOut">
               <a:rPr lang="ko-KR" altLang="en-US" smtClean="0"/>
-              <a:t>2023. 2. 22.</a:t>
+              <a:t>2023. 2. 24.</a:t>
             </a:fld>
             <a:endParaRPr lang="ko-KR" altLang="en-US"/>
           </a:p>
@@ -1901,7 +1901,7 @@
           <a:p>
             <a:fld id="{C6630917-74D3-4214-ABB5-5D4552964AA4}" type="datetimeFigureOut">
               <a:rPr lang="ko-KR" altLang="en-US" smtClean="0"/>
-              <a:t>2023. 2. 22.</a:t>
+              <a:t>2023. 2. 24.</a:t>
             </a:fld>
             <a:endParaRPr lang="ko-KR" altLang="en-US"/>
           </a:p>
@@ -2146,7 +2146,7 @@
           <a:p>
             <a:fld id="{C6630917-74D3-4214-ABB5-5D4552964AA4}" type="datetimeFigureOut">
               <a:rPr lang="ko-KR" altLang="en-US" smtClean="0"/>
-              <a:t>2023. 2. 22.</a:t>
+              <a:t>2023. 2. 24.</a:t>
             </a:fld>
             <a:endParaRPr lang="ko-KR" altLang="en-US"/>
           </a:p>
@@ -2431,7 +2431,7 @@
           <a:p>
             <a:fld id="{C6630917-74D3-4214-ABB5-5D4552964AA4}" type="datetimeFigureOut">
               <a:rPr lang="ko-KR" altLang="en-US" smtClean="0"/>
-              <a:t>2023. 2. 22.</a:t>
+              <a:t>2023. 2. 24.</a:t>
             </a:fld>
             <a:endParaRPr lang="ko-KR" altLang="en-US"/>
           </a:p>
@@ -2850,7 +2850,7 @@
           <a:p>
             <a:fld id="{C6630917-74D3-4214-ABB5-5D4552964AA4}" type="datetimeFigureOut">
               <a:rPr lang="ko-KR" altLang="en-US" smtClean="0"/>
-              <a:t>2023. 2. 22.</a:t>
+              <a:t>2023. 2. 24.</a:t>
             </a:fld>
             <a:endParaRPr lang="ko-KR" altLang="en-US"/>
           </a:p>
@@ -2967,7 +2967,7 @@
           <a:p>
             <a:fld id="{C6630917-74D3-4214-ABB5-5D4552964AA4}" type="datetimeFigureOut">
               <a:rPr lang="ko-KR" altLang="en-US" smtClean="0"/>
-              <a:t>2023. 2. 22.</a:t>
+              <a:t>2023. 2. 24.</a:t>
             </a:fld>
             <a:endParaRPr lang="ko-KR" altLang="en-US"/>
           </a:p>
@@ -3062,7 +3062,7 @@
           <a:p>
             <a:fld id="{C6630917-74D3-4214-ABB5-5D4552964AA4}" type="datetimeFigureOut">
               <a:rPr lang="ko-KR" altLang="en-US" smtClean="0"/>
-              <a:t>2023. 2. 22.</a:t>
+              <a:t>2023. 2. 24.</a:t>
             </a:fld>
             <a:endParaRPr lang="ko-KR" altLang="en-US"/>
           </a:p>
@@ -3337,7 +3337,7 @@
           <a:p>
             <a:fld id="{C6630917-74D3-4214-ABB5-5D4552964AA4}" type="datetimeFigureOut">
               <a:rPr lang="ko-KR" altLang="en-US" smtClean="0"/>
-              <a:t>2023. 2. 22.</a:t>
+              <a:t>2023. 2. 24.</a:t>
             </a:fld>
             <a:endParaRPr lang="ko-KR" altLang="en-US"/>
           </a:p>
@@ -3589,7 +3589,7 @@
           <a:p>
             <a:fld id="{C6630917-74D3-4214-ABB5-5D4552964AA4}" type="datetimeFigureOut">
               <a:rPr lang="ko-KR" altLang="en-US" smtClean="0"/>
-              <a:t>2023. 2. 22.</a:t>
+              <a:t>2023. 2. 24.</a:t>
             </a:fld>
             <a:endParaRPr lang="ko-KR" altLang="en-US"/>
           </a:p>
@@ -3800,7 +3800,7 @@
           <a:p>
             <a:fld id="{C6630917-74D3-4214-ABB5-5D4552964AA4}" type="datetimeFigureOut">
               <a:rPr lang="ko-KR" altLang="en-US" smtClean="0"/>
-              <a:t>2023. 2. 22.</a:t>
+              <a:t>2023. 2. 24.</a:t>
             </a:fld>
             <a:endParaRPr lang="ko-KR" altLang="en-US"/>
           </a:p>
@@ -4447,46 +4447,6 @@
               <a:latin typeface="나눔스퀘어 ExtraBold" panose="020B0600000101010101" pitchFamily="50" charset="-127"/>
               <a:ea typeface="나눔스퀘어 ExtraBold" panose="020B0600000101010101" pitchFamily="50" charset="-127"/>
             </a:endParaRPr>
-          </a:p>
-        </p:txBody>
-      </p:sp>
-      <p:sp>
-        <p:nvSpPr>
-          <p:cNvPr id="8" name="TextBox 7"/>
-          <p:cNvSpPr txBox="1"/>
-          <p:nvPr/>
-        </p:nvSpPr>
-        <p:spPr>
-          <a:xfrm>
-            <a:off x="552971" y="4774793"/>
-            <a:ext cx="1896673" cy="448008"/>
-          </a:xfrm>
-          <a:prstGeom prst="rect">
-            <a:avLst/>
-          </a:prstGeom>
-          <a:noFill/>
-        </p:spPr>
-        <p:txBody>
-          <a:bodyPr wrap="none" rtlCol="0">
-            <a:spAutoFit/>
-          </a:bodyPr>
-          <a:lstStyle/>
-          <a:p>
-            <a:pPr>
-              <a:lnSpc>
-                <a:spcPts val="3000"/>
-              </a:lnSpc>
-            </a:pPr>
-            <a:r>
-              <a:rPr lang="en-US" altLang="ko-KR" sz="2400" dirty="0">
-                <a:solidFill>
-                  <a:schemeClr val="bg1"/>
-                </a:solidFill>
-                <a:latin typeface="나눔스퀘어 ExtraBold" panose="020B0600000101010101" pitchFamily="50" charset="-127"/>
-                <a:ea typeface="나눔스퀘어 ExtraBold" panose="020B0600000101010101" pitchFamily="50" charset="-127"/>
-              </a:rPr>
-              <a:t>2023. 02. 17</a:t>
-            </a:r>
           </a:p>
         </p:txBody>
       </p:sp>
